--- a/slides/Fall2017-SGACourse-Assignment2.pptx
+++ b/slides/Fall2017-SGACourse-Assignment2.pptx
@@ -5,15 +5,16 @@
     <p:sldMasterId id="2147483648" r:id="rId1"/>
   </p:sldMasterIdLst>
   <p:sldIdLst>
-    <p:sldId id="256" r:id="rId2"/>
-    <p:sldId id="257" r:id="rId3"/>
-    <p:sldId id="258" r:id="rId4"/>
-    <p:sldId id="259" r:id="rId5"/>
-    <p:sldId id="260" r:id="rId6"/>
-    <p:sldId id="261" r:id="rId7"/>
-    <p:sldId id="264" r:id="rId8"/>
-    <p:sldId id="262" r:id="rId9"/>
-    <p:sldId id="263" r:id="rId10"/>
+    <p:sldId id="265" r:id="rId2"/>
+    <p:sldId id="256" r:id="rId3"/>
+    <p:sldId id="257" r:id="rId4"/>
+    <p:sldId id="258" r:id="rId5"/>
+    <p:sldId id="259" r:id="rId6"/>
+    <p:sldId id="260" r:id="rId7"/>
+    <p:sldId id="261" r:id="rId8"/>
+    <p:sldId id="264" r:id="rId9"/>
+    <p:sldId id="262" r:id="rId10"/>
+    <p:sldId id="263" r:id="rId11"/>
   </p:sldIdLst>
   <p:sldSz cx="12192000" cy="6858000"/>
   <p:notesSz cx="6858000" cy="9144000"/>
@@ -3044,29 +3045,13 @@
           </p:nvPr>
         </p:nvSpPr>
         <p:spPr/>
-        <p:style>
-          <a:lnRef idx="2">
-            <a:schemeClr val="accent1">
-              <a:shade val="50000"/>
-            </a:schemeClr>
-          </a:lnRef>
-          <a:fillRef idx="1">
-            <a:schemeClr val="accent1"/>
-          </a:fillRef>
-          <a:effectRef idx="0">
-            <a:schemeClr val="accent1"/>
-          </a:effectRef>
-          <a:fontRef idx="minor">
-            <a:schemeClr val="lt1"/>
-          </a:fontRef>
-        </p:style>
-        <p:txBody>
-          <a:bodyPr anchor="ctr"/>
+        <p:txBody>
+          <a:bodyPr/>
           <a:lstStyle/>
           <a:p>
             <a:r>
               <a:rPr lang="en-US" dirty="0" smtClean="0"/>
-              <a:t>Assignment 2 Overview</a:t>
+              <a:t>Office Hours</a:t>
             </a:r>
             <a:endParaRPr lang="en-US" dirty="0"/>
           </a:p>
@@ -3082,33 +3067,20 @@
             <p:ph type="subTitle" idx="1"/>
           </p:nvPr>
         </p:nvSpPr>
-        <p:spPr>
-          <a:xfrm>
-            <a:off x="1524000" y="3514356"/>
-            <a:ext cx="9144000" cy="1655762"/>
-          </a:xfrm>
-        </p:spPr>
-        <p:style>
-          <a:lnRef idx="2">
-            <a:schemeClr val="dk1"/>
-          </a:lnRef>
-          <a:fillRef idx="1">
-            <a:schemeClr val="lt1"/>
-          </a:fillRef>
-          <a:effectRef idx="0">
-            <a:schemeClr val="dk1"/>
-          </a:effectRef>
-          <a:fontRef idx="minor">
-            <a:schemeClr val="dk1"/>
-          </a:fontRef>
-        </p:style>
-        <p:txBody>
-          <a:bodyPr anchor="ctr"/>
+        <p:spPr/>
+        <p:txBody>
+          <a:bodyPr/>
           <a:lstStyle/>
           <a:p>
             <a:r>
               <a:rPr lang="en-US" dirty="0" smtClean="0"/>
-              <a:t>Messaging, containerization, and continuous integration and deployment</a:t>
+              <a:t>Location: Multipurpose Room (usually), Cyberinfrastructure Building </a:t>
+            </a:r>
+          </a:p>
+          <a:p>
+            <a:r>
+              <a:rPr lang="en-US" smtClean="0"/>
+              <a:t>Time: Fridays, 1:30 - 5:00 pm</a:t>
             </a:r>
             <a:endParaRPr lang="en-US" dirty="0"/>
           </a:p>
@@ -3117,7 +3089,144 @@
     </p:spTree>
     <p:extLst>
       <p:ext uri="{BB962C8B-B14F-4D97-AF65-F5344CB8AC3E}">
-        <p14:creationId xmlns:p14="http://schemas.microsoft.com/office/powerpoint/2010/main" val="738715788"/>
+        <p14:creationId xmlns:p14="http://schemas.microsoft.com/office/powerpoint/2010/main" val="607932247"/>
+      </p:ext>
+    </p:extLst>
+  </p:cSld>
+  <p:clrMapOvr>
+    <a:masterClrMapping/>
+  </p:clrMapOvr>
+</p:sld>
+</file>
+
+<file path=ppt/slides/slide10.xml><?xml version="1.0" encoding="utf-8"?>
+<p:sld xmlns:a="http://schemas.openxmlformats.org/drawingml/2006/main" xmlns:r="http://schemas.openxmlformats.org/officeDocument/2006/relationships" xmlns:p="http://schemas.openxmlformats.org/presentationml/2006/main">
+  <p:cSld>
+    <p:spTree>
+      <p:nvGrpSpPr>
+        <p:cNvPr id="1" name=""/>
+        <p:cNvGrpSpPr/>
+        <p:nvPr/>
+      </p:nvGrpSpPr>
+      <p:grpSpPr>
+        <a:xfrm>
+          <a:off x="0" y="0"/>
+          <a:ext cx="0" cy="0"/>
+          <a:chOff x="0" y="0"/>
+          <a:chExt cx="0" cy="0"/>
+        </a:xfrm>
+      </p:grpSpPr>
+      <p:sp>
+        <p:nvSpPr>
+          <p:cNvPr id="3" name="Title 2"/>
+          <p:cNvSpPr>
+            <a:spLocks noGrp="1"/>
+          </p:cNvSpPr>
+          <p:nvPr>
+            <p:ph type="title"/>
+          </p:nvPr>
+        </p:nvSpPr>
+        <p:spPr/>
+        <p:txBody>
+          <a:bodyPr/>
+          <a:lstStyle/>
+          <a:p>
+            <a:r>
+              <a:rPr lang="en-US" dirty="0" smtClean="0"/>
+              <a:t>Final Thoughts</a:t>
+            </a:r>
+            <a:endParaRPr lang="en-US" dirty="0"/>
+          </a:p>
+        </p:txBody>
+      </p:sp>
+      <p:sp>
+        <p:nvSpPr>
+          <p:cNvPr id="4" name="Content Placeholder 3"/>
+          <p:cNvSpPr>
+            <a:spLocks noGrp="1"/>
+          </p:cNvSpPr>
+          <p:nvPr>
+            <p:ph idx="1"/>
+          </p:nvPr>
+        </p:nvSpPr>
+        <p:spPr/>
+        <p:txBody>
+          <a:bodyPr/>
+          <a:lstStyle/>
+          <a:p>
+            <a:r>
+              <a:rPr lang="en-US" dirty="0" smtClean="0"/>
+              <a:t>Get your Jetstream OpenStack access setup right away in case this takes some time. </a:t>
+            </a:r>
+          </a:p>
+          <a:p>
+            <a:pPr lvl="1"/>
+            <a:r>
+              <a:rPr lang="en-US" dirty="0" smtClean="0"/>
+              <a:t>Notify your instructors if you have any problems with this.</a:t>
+            </a:r>
+          </a:p>
+          <a:p>
+            <a:r>
+              <a:rPr lang="en-US" dirty="0" smtClean="0"/>
+              <a:t>Do the assignment in this order</a:t>
+            </a:r>
+          </a:p>
+          <a:p>
+            <a:pPr lvl="1"/>
+            <a:r>
+              <a:rPr lang="en-US" dirty="0" smtClean="0"/>
+              <a:t>Use </a:t>
+            </a:r>
+            <a:r>
+              <a:rPr lang="en-US" dirty="0" err="1" smtClean="0"/>
+              <a:t>RabbitMQ</a:t>
+            </a:r>
+            <a:r>
+              <a:rPr lang="en-US" dirty="0" smtClean="0"/>
+              <a:t> for communications</a:t>
+            </a:r>
+          </a:p>
+          <a:p>
+            <a:pPr lvl="1"/>
+            <a:r>
+              <a:rPr lang="en-US" dirty="0" smtClean="0"/>
+              <a:t>Use Jenkins to deploy directly to Jetstream VMs</a:t>
+            </a:r>
+          </a:p>
+          <a:p>
+            <a:pPr lvl="1"/>
+            <a:r>
+              <a:rPr lang="en-US" dirty="0" smtClean="0"/>
+              <a:t>Wrap your </a:t>
+            </a:r>
+            <a:r>
+              <a:rPr lang="en-US" dirty="0" err="1" smtClean="0"/>
+              <a:t>microservices</a:t>
+            </a:r>
+            <a:r>
+              <a:rPr lang="en-US" dirty="0" smtClean="0"/>
+              <a:t> in Docker</a:t>
+            </a:r>
+          </a:p>
+          <a:p>
+            <a:pPr lvl="1"/>
+            <a:r>
+              <a:rPr lang="en-US" dirty="0" smtClean="0"/>
+              <a:t>Use Jenkins to deploy your Docker containers </a:t>
+            </a:r>
+            <a:r>
+              <a:rPr lang="en-US" smtClean="0"/>
+              <a:t>to Jetstream VMs</a:t>
+            </a:r>
+            <a:endParaRPr lang="en-US" dirty="0"/>
+          </a:p>
+        </p:txBody>
+      </p:sp>
+    </p:spTree>
+    <p:extLst>
+      <p:ext uri="{BB962C8B-B14F-4D97-AF65-F5344CB8AC3E}">
+        <p14:creationId xmlns:p14="http://schemas.microsoft.com/office/powerpoint/2010/main" val="2108005238"/>
       </p:ext>
     </p:extLst>
   </p:cSld>
@@ -3151,7 +3260,7 @@
             <a:spLocks noGrp="1"/>
           </p:cNvSpPr>
           <p:nvPr>
-            <p:ph type="title"/>
+            <p:ph type="ctrTitle"/>
           </p:nvPr>
         </p:nvSpPr>
         <p:spPr/>
@@ -3172,31 +3281,31 @@
           </a:fontRef>
         </p:style>
         <p:txBody>
-          <a:bodyPr/>
-          <a:lstStyle/>
-          <a:p>
-            <a:r>
-              <a:rPr lang="en-US" smtClean="0"/>
-              <a:t>Assignment 2</a:t>
-            </a:r>
-            <a:endParaRPr lang="en-US"/>
-          </a:p>
-        </p:txBody>
-      </p:sp>
-      <p:sp>
-        <p:nvSpPr>
-          <p:cNvPr id="3" name="Content Placeholder 2"/>
-          <p:cNvSpPr>
-            <a:spLocks noGrp="1"/>
-          </p:cNvSpPr>
-          <p:nvPr>
-            <p:ph idx="1"/>
+          <a:bodyPr anchor="ctr"/>
+          <a:lstStyle/>
+          <a:p>
+            <a:r>
+              <a:rPr lang="en-US" dirty="0" smtClean="0"/>
+              <a:t>Assignment 2 Overview</a:t>
+            </a:r>
+            <a:endParaRPr lang="en-US" dirty="0"/>
+          </a:p>
+        </p:txBody>
+      </p:sp>
+      <p:sp>
+        <p:nvSpPr>
+          <p:cNvPr id="3" name="Subtitle 2"/>
+          <p:cNvSpPr>
+            <a:spLocks noGrp="1"/>
+          </p:cNvSpPr>
+          <p:nvPr>
+            <p:ph type="subTitle" idx="1"/>
           </p:nvPr>
         </p:nvSpPr>
         <p:spPr>
           <a:xfrm>
-            <a:off x="838200" y="1712891"/>
-            <a:ext cx="10515600" cy="4351338"/>
+            <a:off x="1524000" y="3514356"/>
+            <a:ext cx="9144000" cy="1655762"/>
           </a:xfrm>
         </p:spPr>
         <p:style>
@@ -3214,114 +3323,21 @@
           </a:fontRef>
         </p:style>
         <p:txBody>
-          <a:bodyPr>
-            <a:normAutofit fontScale="92500"/>
-          </a:bodyPr>
-          <a:lstStyle/>
-          <a:p>
-            <a:r>
-              <a:rPr lang="en-US" sz="3600" dirty="0" smtClean="0"/>
-              <a:t>Using the </a:t>
-            </a:r>
-            <a:r>
-              <a:rPr lang="en-US" sz="3600" dirty="0" err="1" smtClean="0"/>
-              <a:t>microservices</a:t>
-            </a:r>
-            <a:r>
-              <a:rPr lang="en-US" sz="3600" dirty="0" smtClean="0"/>
-              <a:t> from Assignment 1</a:t>
-            </a:r>
-          </a:p>
-          <a:p>
-            <a:r>
-              <a:rPr lang="en-US" sz="3600" dirty="0" smtClean="0"/>
-              <a:t>Wrap each service in a Docker container</a:t>
-            </a:r>
-          </a:p>
-          <a:p>
-            <a:pPr lvl="1"/>
-            <a:r>
-              <a:rPr lang="en-US" sz="3200" dirty="0">
-                <a:hlinkClick r:id="rId2"/>
-              </a:rPr>
-              <a:t>https://www.docker.com</a:t>
-            </a:r>
-            <a:r>
-              <a:rPr lang="en-US" sz="3200" dirty="0" smtClean="0">
-                <a:hlinkClick r:id="rId2"/>
-              </a:rPr>
-              <a:t>/</a:t>
-            </a:r>
-            <a:r>
-              <a:rPr lang="en-US" sz="3200" dirty="0" smtClean="0"/>
-              <a:t> </a:t>
-            </a:r>
-          </a:p>
-          <a:p>
-            <a:r>
-              <a:rPr lang="en-US" sz="3600" dirty="0" smtClean="0"/>
-              <a:t>Have services communicate using </a:t>
-            </a:r>
-            <a:r>
-              <a:rPr lang="en-US" sz="3600" dirty="0" err="1" smtClean="0"/>
-              <a:t>RabbitMQ</a:t>
-            </a:r>
-            <a:r>
-              <a:rPr lang="en-US" sz="3600" dirty="0" smtClean="0"/>
-              <a:t> messaging</a:t>
-            </a:r>
-          </a:p>
-          <a:p>
-            <a:pPr lvl="1"/>
-            <a:r>
-              <a:rPr lang="en-US" sz="3200" dirty="0">
-                <a:hlinkClick r:id="rId3"/>
-              </a:rPr>
-              <a:t>https://www.rabbitmq.com</a:t>
-            </a:r>
-            <a:r>
-              <a:rPr lang="en-US" sz="3200" dirty="0" smtClean="0">
-                <a:hlinkClick r:id="rId3"/>
-              </a:rPr>
-              <a:t>/</a:t>
-            </a:r>
-            <a:r>
-              <a:rPr lang="en-US" sz="3200" dirty="0" smtClean="0"/>
-              <a:t> </a:t>
-            </a:r>
-          </a:p>
-          <a:p>
-            <a:r>
-              <a:rPr lang="en-US" sz="3600" dirty="0" smtClean="0"/>
-              <a:t>Use Apache Jenkins to deploy services onto Jetstream VMs</a:t>
-            </a:r>
-          </a:p>
-          <a:p>
-            <a:pPr lvl="1"/>
-            <a:r>
-              <a:rPr lang="en-US" sz="3200" dirty="0">
-                <a:hlinkClick r:id="rId4"/>
-              </a:rPr>
-              <a:t>https://jenkins.io</a:t>
-            </a:r>
-            <a:r>
-              <a:rPr lang="en-US" sz="3200" dirty="0" smtClean="0">
-                <a:hlinkClick r:id="rId4"/>
-              </a:rPr>
-              <a:t>/</a:t>
-            </a:r>
-            <a:r>
-              <a:rPr lang="en-US" sz="3200" dirty="0" smtClean="0"/>
-              <a:t> </a:t>
-            </a:r>
-            <a:endParaRPr lang="en-US" sz="3200" dirty="0"/>
+          <a:bodyPr anchor="ctr"/>
+          <a:lstStyle/>
+          <a:p>
+            <a:r>
+              <a:rPr lang="en-US" dirty="0" smtClean="0"/>
+              <a:t>Messaging, containerization, and continuous integration and deployment</a:t>
+            </a:r>
+            <a:endParaRPr lang="en-US" dirty="0"/>
           </a:p>
         </p:txBody>
       </p:sp>
     </p:spTree>
     <p:extLst>
       <p:ext uri="{BB962C8B-B14F-4D97-AF65-F5344CB8AC3E}">
-        <p14:creationId xmlns:p14="http://schemas.microsoft.com/office/powerpoint/2010/main" val="1511111084"/>
+        <p14:creationId xmlns:p14="http://schemas.microsoft.com/office/powerpoint/2010/main" val="738715788"/>
       </p:ext>
     </p:extLst>
   </p:cSld>
@@ -3359,15 +3375,31 @@
           </p:nvPr>
         </p:nvSpPr>
         <p:spPr/>
-        <p:txBody>
-          <a:bodyPr/>
-          <a:lstStyle/>
-          <a:p>
-            <a:r>
-              <a:rPr lang="en-US" dirty="0" smtClean="0"/>
-              <a:t>Theme 1: Containerization</a:t>
-            </a:r>
-            <a:endParaRPr lang="en-US" dirty="0"/>
+        <p:style>
+          <a:lnRef idx="2">
+            <a:schemeClr val="accent1">
+              <a:shade val="50000"/>
+            </a:schemeClr>
+          </a:lnRef>
+          <a:fillRef idx="1">
+            <a:schemeClr val="accent1"/>
+          </a:fillRef>
+          <a:effectRef idx="0">
+            <a:schemeClr val="accent1"/>
+          </a:effectRef>
+          <a:fontRef idx="minor">
+            <a:schemeClr val="lt1"/>
+          </a:fontRef>
+        </p:style>
+        <p:txBody>
+          <a:bodyPr/>
+          <a:lstStyle/>
+          <a:p>
+            <a:r>
+              <a:rPr lang="en-US" smtClean="0"/>
+              <a:t>Assignment 2</a:t>
+            </a:r>
+            <a:endParaRPr lang="en-US"/>
           </a:p>
         </p:txBody>
       </p:sp>
@@ -3378,27 +3410,129 @@
             <a:spLocks noGrp="1"/>
           </p:cNvSpPr>
           <p:nvPr>
-            <p:ph type="body" idx="1"/>
-          </p:nvPr>
-        </p:nvSpPr>
-        <p:spPr/>
+            <p:ph idx="1"/>
+          </p:nvPr>
+        </p:nvSpPr>
+        <p:spPr>
+          <a:xfrm>
+            <a:off x="838200" y="1712891"/>
+            <a:ext cx="10515600" cy="4351338"/>
+          </a:xfrm>
+        </p:spPr>
+        <p:style>
+          <a:lnRef idx="2">
+            <a:schemeClr val="dk1"/>
+          </a:lnRef>
+          <a:fillRef idx="1">
+            <a:schemeClr val="lt1"/>
+          </a:fillRef>
+          <a:effectRef idx="0">
+            <a:schemeClr val="dk1"/>
+          </a:effectRef>
+          <a:fontRef idx="minor">
+            <a:schemeClr val="dk1"/>
+          </a:fontRef>
+        </p:style>
         <p:txBody>
           <a:bodyPr>
-            <a:normAutofit/>
+            <a:normAutofit fontScale="92500"/>
           </a:bodyPr>
           <a:lstStyle/>
           <a:p>
             <a:r>
+              <a:rPr lang="en-US" sz="3600" dirty="0" smtClean="0"/>
+              <a:t>Using the </a:t>
+            </a:r>
+            <a:r>
+              <a:rPr lang="en-US" sz="3600" dirty="0" err="1" smtClean="0"/>
+              <a:t>microservices</a:t>
+            </a:r>
+            <a:r>
+              <a:rPr lang="en-US" sz="3600" dirty="0" smtClean="0"/>
+              <a:t> from Assignment 1</a:t>
+            </a:r>
+          </a:p>
+          <a:p>
+            <a:r>
+              <a:rPr lang="en-US" sz="3600" dirty="0" smtClean="0"/>
+              <a:t>Wrap each service in a Docker container</a:t>
+            </a:r>
+          </a:p>
+          <a:p>
+            <a:pPr lvl="1"/>
+            <a:r>
+              <a:rPr lang="en-US" sz="3200" dirty="0">
+                <a:hlinkClick r:id="rId2"/>
+              </a:rPr>
+              <a:t>https://www.docker.com</a:t>
+            </a:r>
+            <a:r>
+              <a:rPr lang="en-US" sz="3200" dirty="0" smtClean="0">
+                <a:hlinkClick r:id="rId2"/>
+              </a:rPr>
+              <a:t>/</a:t>
+            </a:r>
+            <a:r>
               <a:rPr lang="en-US" sz="3200" dirty="0" smtClean="0"/>
-              <a:t>Containers like Docker allow you to package all of your </a:t>
-            </a:r>
-            <a:r>
-              <a:rPr lang="en-US" sz="3200" dirty="0" err="1" smtClean="0"/>
-              <a:t>microservices</a:t>
+              <a:t> </a:t>
+            </a:r>
+          </a:p>
+          <a:p>
+            <a:r>
+              <a:rPr lang="en-US" sz="3600" dirty="0" smtClean="0"/>
+              <a:t>Have services communicate using </a:t>
+            </a:r>
+            <a:r>
+              <a:rPr lang="en-US" sz="3600" dirty="0" err="1" smtClean="0"/>
+              <a:t>RabbitMQ</a:t>
+            </a:r>
+            <a:r>
+              <a:rPr lang="en-US" sz="3600" dirty="0" smtClean="0"/>
+              <a:t> messaging</a:t>
+            </a:r>
+          </a:p>
+          <a:p>
+            <a:pPr lvl="1"/>
+            <a:r>
+              <a:rPr lang="en-US" sz="3200" dirty="0">
+                <a:hlinkClick r:id="rId3"/>
+              </a:rPr>
+              <a:t>https://www.rabbitmq.com</a:t>
+            </a:r>
+            <a:r>
+              <a:rPr lang="en-US" sz="3200" dirty="0" smtClean="0">
+                <a:hlinkClick r:id="rId3"/>
+              </a:rPr>
+              <a:t>/</a:t>
             </a:r>
             <a:r>
               <a:rPr lang="en-US" sz="3200" dirty="0" smtClean="0"/>
-              <a:t>’ dependencies</a:t>
+              <a:t> </a:t>
+            </a:r>
+          </a:p>
+          <a:p>
+            <a:r>
+              <a:rPr lang="en-US" sz="3600" dirty="0" smtClean="0"/>
+              <a:t>Use Apache Jenkins to deploy services onto Jetstream VMs</a:t>
+            </a:r>
+          </a:p>
+          <a:p>
+            <a:pPr lvl="1"/>
+            <a:r>
+              <a:rPr lang="en-US" sz="3200" dirty="0">
+                <a:hlinkClick r:id="rId4"/>
+              </a:rPr>
+              <a:t>https://jenkins.io</a:t>
+            </a:r>
+            <a:r>
+              <a:rPr lang="en-US" sz="3200" dirty="0" smtClean="0">
+                <a:hlinkClick r:id="rId4"/>
+              </a:rPr>
+              <a:t>/</a:t>
+            </a:r>
+            <a:r>
+              <a:rPr lang="en-US" sz="3200" dirty="0" smtClean="0"/>
+              <a:t> </a:t>
             </a:r>
             <a:endParaRPr lang="en-US" sz="3200" dirty="0"/>
           </a:p>
@@ -3407,7 +3541,7 @@
     </p:spTree>
     <p:extLst>
       <p:ext uri="{BB962C8B-B14F-4D97-AF65-F5344CB8AC3E}">
-        <p14:creationId xmlns:p14="http://schemas.microsoft.com/office/powerpoint/2010/main" val="26283562"/>
+        <p14:creationId xmlns:p14="http://schemas.microsoft.com/office/powerpoint/2010/main" val="1511111084"/>
       </p:ext>
     </p:extLst>
   </p:cSld>
@@ -3436,12 +3570,35 @@
       </p:grpSpPr>
       <p:sp>
         <p:nvSpPr>
-          <p:cNvPr id="4" name="Title 3"/>
+          <p:cNvPr id="2" name="Title 1"/>
           <p:cNvSpPr>
             <a:spLocks noGrp="1"/>
           </p:cNvSpPr>
           <p:nvPr>
             <p:ph type="title"/>
+          </p:nvPr>
+        </p:nvSpPr>
+        <p:spPr/>
+        <p:txBody>
+          <a:bodyPr/>
+          <a:lstStyle/>
+          <a:p>
+            <a:r>
+              <a:rPr lang="en-US" dirty="0" smtClean="0"/>
+              <a:t>Theme 1: Containerization</a:t>
+            </a:r>
+            <a:endParaRPr lang="en-US" dirty="0"/>
+          </a:p>
+        </p:txBody>
+      </p:sp>
+      <p:sp>
+        <p:nvSpPr>
+          <p:cNvPr id="3" name="Content Placeholder 2"/>
+          <p:cNvSpPr>
+            <a:spLocks noGrp="1"/>
+          </p:cNvSpPr>
+          <p:nvPr>
+            <p:ph type="body" idx="1"/>
           </p:nvPr>
         </p:nvSpPr>
         <p:spPr/>
@@ -3452,41 +3609,16 @@
           <a:lstStyle/>
           <a:p>
             <a:r>
-              <a:rPr lang="en-US" dirty="0" smtClean="0"/>
-              <a:t>Theme 2: Use Messaging for </a:t>
-            </a:r>
-            <a:r>
-              <a:rPr lang="en-US" dirty="0" err="1" smtClean="0"/>
-              <a:t>Microservices</a:t>
-            </a:r>
-            <a:r>
-              <a:rPr lang="en-US" dirty="0" smtClean="0"/>
-              <a:t> to Communicate</a:t>
-            </a:r>
-            <a:endParaRPr lang="en-US" dirty="0"/>
-          </a:p>
-        </p:txBody>
-      </p:sp>
-      <p:sp>
-        <p:nvSpPr>
-          <p:cNvPr id="5" name="Subtitle 4"/>
-          <p:cNvSpPr>
-            <a:spLocks noGrp="1"/>
-          </p:cNvSpPr>
-          <p:nvPr>
-            <p:ph type="body" idx="1"/>
-          </p:nvPr>
-        </p:nvSpPr>
-        <p:spPr/>
-        <p:txBody>
-          <a:bodyPr>
-            <a:normAutofit/>
-          </a:bodyPr>
-          <a:lstStyle/>
-          <a:p>
-            <a:r>
               <a:rPr lang="en-US" sz="3200" dirty="0" smtClean="0"/>
-              <a:t>Messaging systems provide powerful ways for services to communicate without hardwiring end points.</a:t>
+              <a:t>Containers like Docker allow you to package all of your </a:t>
+            </a:r>
+            <a:r>
+              <a:rPr lang="en-US" sz="3200" dirty="0" err="1" smtClean="0"/>
+              <a:t>microservices</a:t>
+            </a:r>
+            <a:r>
+              <a:rPr lang="en-US" sz="3200" dirty="0" smtClean="0"/>
+              <a:t>’ dependencies</a:t>
             </a:r>
             <a:endParaRPr lang="en-US" sz="3200" dirty="0"/>
           </a:p>
@@ -3495,7 +3627,7 @@
     </p:spTree>
     <p:extLst>
       <p:ext uri="{BB962C8B-B14F-4D97-AF65-F5344CB8AC3E}">
-        <p14:creationId xmlns:p14="http://schemas.microsoft.com/office/powerpoint/2010/main" val="899931266"/>
+        <p14:creationId xmlns:p14="http://schemas.microsoft.com/office/powerpoint/2010/main" val="26283562"/>
       </p:ext>
     </p:extLst>
   </p:cSld>
@@ -3524,7 +3656,7 @@
       </p:grpSpPr>
       <p:sp>
         <p:nvSpPr>
-          <p:cNvPr id="6" name="Title 5"/>
+          <p:cNvPr id="4" name="Title 3"/>
           <p:cNvSpPr>
             <a:spLocks noGrp="1"/>
           </p:cNvSpPr>
@@ -3534,12 +3666,22 @@
         </p:nvSpPr>
         <p:spPr/>
         <p:txBody>
-          <a:bodyPr/>
+          <a:bodyPr>
+            <a:normAutofit/>
+          </a:bodyPr>
           <a:lstStyle/>
           <a:p>
             <a:r>
               <a:rPr lang="en-US" dirty="0" smtClean="0"/>
-              <a:t>Theme 3: Use continuous integration and deployment to automate your system</a:t>
+              <a:t>Theme 2: Use Messaging for </a:t>
+            </a:r>
+            <a:r>
+              <a:rPr lang="en-US" dirty="0" err="1" smtClean="0"/>
+              <a:t>Microservices</a:t>
+            </a:r>
+            <a:r>
+              <a:rPr lang="en-US" dirty="0" smtClean="0"/>
+              <a:t> to Communicate</a:t>
             </a:r>
             <a:endParaRPr lang="en-US" dirty="0"/>
           </a:p>
@@ -3547,7 +3689,7 @@
       </p:sp>
       <p:sp>
         <p:nvSpPr>
-          <p:cNvPr id="7" name="Text Placeholder 6"/>
+          <p:cNvPr id="5" name="Subtitle 4"/>
           <p:cNvSpPr>
             <a:spLocks noGrp="1"/>
           </p:cNvSpPr>
@@ -3558,13 +3700,13 @@
         <p:spPr/>
         <p:txBody>
           <a:bodyPr>
-            <a:noAutofit/>
+            <a:normAutofit/>
           </a:bodyPr>
           <a:lstStyle/>
           <a:p>
             <a:r>
               <a:rPr lang="en-US" sz="3200" dirty="0" smtClean="0"/>
-              <a:t>Use tools like Apache Jenkins to take all the guess work and manual instructions out of your deployment processes. “Infrastructure as code”: use code, not readme files. </a:t>
+              <a:t>Messaging systems provide powerful ways for services to communicate without hardwiring end points.</a:t>
             </a:r>
             <a:endParaRPr lang="en-US" sz="3200" dirty="0"/>
           </a:p>
@@ -3573,7 +3715,7 @@
     </p:spTree>
     <p:extLst>
       <p:ext uri="{BB962C8B-B14F-4D97-AF65-F5344CB8AC3E}">
-        <p14:creationId xmlns:p14="http://schemas.microsoft.com/office/powerpoint/2010/main" val="928467699"/>
+        <p14:creationId xmlns:p14="http://schemas.microsoft.com/office/powerpoint/2010/main" val="899931266"/>
       </p:ext>
     </p:extLst>
   </p:cSld>
@@ -3602,7 +3744,7 @@
       </p:grpSpPr>
       <p:sp>
         <p:nvSpPr>
-          <p:cNvPr id="4" name="Title 3"/>
+          <p:cNvPr id="6" name="Title 5"/>
           <p:cNvSpPr>
             <a:spLocks noGrp="1"/>
           </p:cNvSpPr>
@@ -3617,7 +3759,7 @@
           <a:p>
             <a:r>
               <a:rPr lang="en-US" dirty="0" smtClean="0"/>
-              <a:t>OpenStack and Jetstream</a:t>
+              <a:t>Theme 3: Use continuous integration and deployment to automate your system</a:t>
             </a:r>
             <a:endParaRPr lang="en-US" dirty="0"/>
           </a:p>
@@ -3625,103 +3767,33 @@
       </p:sp>
       <p:sp>
         <p:nvSpPr>
-          <p:cNvPr id="5" name="Content Placeholder 4"/>
-          <p:cNvSpPr>
-            <a:spLocks noGrp="1"/>
-          </p:cNvSpPr>
-          <p:nvPr>
-            <p:ph idx="1"/>
-          </p:nvPr>
-        </p:nvSpPr>
-        <p:spPr>
-          <a:xfrm>
-            <a:off x="838200" y="1700364"/>
-            <a:ext cx="10515600" cy="4600227"/>
-          </a:xfrm>
-        </p:spPr>
+          <p:cNvPr id="7" name="Text Placeholder 6"/>
+          <p:cNvSpPr>
+            <a:spLocks noGrp="1"/>
+          </p:cNvSpPr>
+          <p:nvPr>
+            <p:ph type="body" idx="1"/>
+          </p:nvPr>
+        </p:nvSpPr>
+        <p:spPr/>
         <p:txBody>
           <a:bodyPr>
-            <a:normAutofit/>
+            <a:noAutofit/>
           </a:bodyPr>
           <a:lstStyle/>
           <a:p>
             <a:r>
-              <a:rPr lang="en-US" dirty="0" smtClean="0"/>
-              <a:t>We will use Jetstream for this and all future assignments</a:t>
-            </a:r>
-          </a:p>
-          <a:p>
-            <a:r>
-              <a:rPr lang="en-US" dirty="0" smtClean="0"/>
-              <a:t>See announcement for steps that you need to take to use the API</a:t>
-            </a:r>
-          </a:p>
-          <a:p>
-            <a:r>
-              <a:rPr lang="en-US" dirty="0" smtClean="0"/>
-              <a:t>Use the API to create VMs you need for both your assignment and your reviews</a:t>
-            </a:r>
-          </a:p>
-          <a:p>
-            <a:pPr marL="228600" lvl="1">
-              <a:spcBef>
-                <a:spcPts val="1000"/>
-              </a:spcBef>
-            </a:pPr>
-            <a:r>
-              <a:rPr lang="en-US" dirty="0" smtClean="0"/>
-              <a:t>Deploy your containerized </a:t>
-            </a:r>
-            <a:r>
-              <a:rPr lang="en-US" dirty="0" err="1" smtClean="0"/>
-              <a:t>microservices</a:t>
-            </a:r>
-            <a:r>
-              <a:rPr lang="en-US" dirty="0" smtClean="0"/>
-              <a:t> </a:t>
-            </a:r>
-            <a:r>
-              <a:rPr lang="en-US" dirty="0"/>
-              <a:t>onto Jetstream </a:t>
-            </a:r>
-            <a:r>
-              <a:rPr lang="en-US" dirty="0" smtClean="0"/>
-              <a:t>VMs</a:t>
-            </a:r>
-          </a:p>
-          <a:p>
-            <a:pPr lvl="1"/>
-            <a:r>
-              <a:rPr lang="en-US" dirty="0" smtClean="0"/>
-              <a:t>You can use a static </a:t>
-            </a:r>
-            <a:r>
-              <a:rPr lang="en-US" dirty="0" err="1" smtClean="0"/>
-              <a:t>RabbitMQ</a:t>
-            </a:r>
-            <a:r>
-              <a:rPr lang="en-US" dirty="0" smtClean="0"/>
-              <a:t> Automate all of this with Jenkins</a:t>
-            </a:r>
-          </a:p>
-          <a:p>
-            <a:r>
-              <a:rPr lang="en-US" dirty="0" smtClean="0"/>
-              <a:t>Use Jenkins to deploy containers</a:t>
-            </a:r>
-          </a:p>
-          <a:p>
-            <a:r>
-              <a:rPr lang="en-US" dirty="0" smtClean="0"/>
-              <a:t>We’ll add provisioning VMs themselves to a later assignment.</a:t>
-            </a:r>
+              <a:rPr lang="en-US" sz="3200" dirty="0" smtClean="0"/>
+              <a:t>Use tools like Apache Jenkins to take all the guess work and manual instructions out of your deployment processes. “Infrastructure as code”: use code, not readme files. </a:t>
+            </a:r>
+            <a:endParaRPr lang="en-US" sz="3200" dirty="0"/>
           </a:p>
         </p:txBody>
       </p:sp>
     </p:spTree>
     <p:extLst>
       <p:ext uri="{BB962C8B-B14F-4D97-AF65-F5344CB8AC3E}">
-        <p14:creationId xmlns:p14="http://schemas.microsoft.com/office/powerpoint/2010/main" val="1424245968"/>
+        <p14:creationId xmlns:p14="http://schemas.microsoft.com/office/powerpoint/2010/main" val="928467699"/>
       </p:ext>
     </p:extLst>
   </p:cSld>
@@ -3765,6 +3837,154 @@
           <a:p>
             <a:r>
               <a:rPr lang="en-US" dirty="0" smtClean="0"/>
+              <a:t>OpenStack and Jetstream</a:t>
+            </a:r>
+            <a:endParaRPr lang="en-US" dirty="0"/>
+          </a:p>
+        </p:txBody>
+      </p:sp>
+      <p:sp>
+        <p:nvSpPr>
+          <p:cNvPr id="5" name="Content Placeholder 4"/>
+          <p:cNvSpPr>
+            <a:spLocks noGrp="1"/>
+          </p:cNvSpPr>
+          <p:nvPr>
+            <p:ph idx="1"/>
+          </p:nvPr>
+        </p:nvSpPr>
+        <p:spPr>
+          <a:xfrm>
+            <a:off x="838200" y="1700364"/>
+            <a:ext cx="10515600" cy="4600227"/>
+          </a:xfrm>
+        </p:spPr>
+        <p:txBody>
+          <a:bodyPr>
+            <a:normAutofit/>
+          </a:bodyPr>
+          <a:lstStyle/>
+          <a:p>
+            <a:r>
+              <a:rPr lang="en-US" dirty="0" smtClean="0"/>
+              <a:t>We will use Jetstream for this and all future assignments</a:t>
+            </a:r>
+          </a:p>
+          <a:p>
+            <a:r>
+              <a:rPr lang="en-US" dirty="0" smtClean="0"/>
+              <a:t>See announcement for steps that you need to take to use the API</a:t>
+            </a:r>
+          </a:p>
+          <a:p>
+            <a:r>
+              <a:rPr lang="en-US" dirty="0" smtClean="0"/>
+              <a:t>Use the API to create VMs you need for both your assignment and your reviews</a:t>
+            </a:r>
+          </a:p>
+          <a:p>
+            <a:pPr marL="228600" lvl="1">
+              <a:spcBef>
+                <a:spcPts val="1000"/>
+              </a:spcBef>
+            </a:pPr>
+            <a:r>
+              <a:rPr lang="en-US" dirty="0" smtClean="0"/>
+              <a:t>Deploy your containerized </a:t>
+            </a:r>
+            <a:r>
+              <a:rPr lang="en-US" dirty="0" err="1" smtClean="0"/>
+              <a:t>microservices</a:t>
+            </a:r>
+            <a:r>
+              <a:rPr lang="en-US" dirty="0" smtClean="0"/>
+              <a:t> </a:t>
+            </a:r>
+            <a:r>
+              <a:rPr lang="en-US" dirty="0"/>
+              <a:t>onto Jetstream </a:t>
+            </a:r>
+            <a:r>
+              <a:rPr lang="en-US" dirty="0" smtClean="0"/>
+              <a:t>VMs</a:t>
+            </a:r>
+          </a:p>
+          <a:p>
+            <a:pPr lvl="1"/>
+            <a:r>
+              <a:rPr lang="en-US" dirty="0" smtClean="0"/>
+              <a:t>You can use a static </a:t>
+            </a:r>
+            <a:r>
+              <a:rPr lang="en-US" dirty="0" err="1" smtClean="0"/>
+              <a:t>RabbitMQ</a:t>
+            </a:r>
+            <a:r>
+              <a:rPr lang="en-US" dirty="0" smtClean="0"/>
+              <a:t> Automate all of this with Jenkins</a:t>
+            </a:r>
+          </a:p>
+          <a:p>
+            <a:r>
+              <a:rPr lang="en-US" dirty="0" smtClean="0"/>
+              <a:t>Use Jenkins to deploy containers</a:t>
+            </a:r>
+          </a:p>
+          <a:p>
+            <a:r>
+              <a:rPr lang="en-US" dirty="0" smtClean="0"/>
+              <a:t>We’ll add provisioning VMs themselves to a later assignment.</a:t>
+            </a:r>
+          </a:p>
+        </p:txBody>
+      </p:sp>
+    </p:spTree>
+    <p:extLst>
+      <p:ext uri="{BB962C8B-B14F-4D97-AF65-F5344CB8AC3E}">
+        <p14:creationId xmlns:p14="http://schemas.microsoft.com/office/powerpoint/2010/main" val="1424245968"/>
+      </p:ext>
+    </p:extLst>
+  </p:cSld>
+  <p:clrMapOvr>
+    <a:masterClrMapping/>
+  </p:clrMapOvr>
+</p:sld>
+</file>
+
+<file path=ppt/slides/slide8.xml><?xml version="1.0" encoding="utf-8"?>
+<p:sld xmlns:a="http://schemas.openxmlformats.org/drawingml/2006/main" xmlns:r="http://schemas.openxmlformats.org/officeDocument/2006/relationships" xmlns:p="http://schemas.openxmlformats.org/presentationml/2006/main">
+  <p:cSld>
+    <p:spTree>
+      <p:nvGrpSpPr>
+        <p:cNvPr id="1" name=""/>
+        <p:cNvGrpSpPr/>
+        <p:nvPr/>
+      </p:nvGrpSpPr>
+      <p:grpSpPr>
+        <a:xfrm>
+          <a:off x="0" y="0"/>
+          <a:ext cx="0" cy="0"/>
+          <a:chOff x="0" y="0"/>
+          <a:chExt cx="0" cy="0"/>
+        </a:xfrm>
+      </p:grpSpPr>
+      <p:sp>
+        <p:nvSpPr>
+          <p:cNvPr id="4" name="Title 3"/>
+          <p:cNvSpPr>
+            <a:spLocks noGrp="1"/>
+          </p:cNvSpPr>
+          <p:nvPr>
+            <p:ph type="title"/>
+          </p:nvPr>
+        </p:nvSpPr>
+        <p:spPr/>
+        <p:txBody>
+          <a:bodyPr/>
+          <a:lstStyle/>
+          <a:p>
+            <a:r>
+              <a:rPr lang="en-US" dirty="0" smtClean="0"/>
               <a:t>Your Jetstream VMs</a:t>
             </a:r>
             <a:endParaRPr lang="en-US" dirty="0"/>
@@ -4030,10 +4250,10 @@
           <a:p>
             <a:pPr algn="ctr"/>
             <a:r>
-              <a:rPr lang="en-US" smtClean="0"/>
+              <a:rPr lang="en-US" dirty="0" smtClean="0"/>
               <a:t>VM 4: Registry</a:t>
             </a:r>
-            <a:endParaRPr lang="en-US"/>
+            <a:endParaRPr lang="en-US" dirty="0"/>
           </a:p>
         </p:txBody>
       </p:sp>
@@ -4088,7 +4308,7 @@
 </p:sld>
 </file>
 
-<file path=ppt/slides/slide8.xml><?xml version="1.0" encoding="utf-8"?>
+<file path=ppt/slides/slide9.xml><?xml version="1.0" encoding="utf-8"?>
 <p:sld xmlns:a="http://schemas.openxmlformats.org/drawingml/2006/main" xmlns:r="http://schemas.openxmlformats.org/officeDocument/2006/relationships" xmlns:p="http://schemas.openxmlformats.org/presentationml/2006/main">
   <p:cSld>
     <p:spTree>
@@ -4202,143 +4422,6 @@
     <p:extLst>
       <p:ext uri="{BB962C8B-B14F-4D97-AF65-F5344CB8AC3E}">
         <p14:creationId xmlns:p14="http://schemas.microsoft.com/office/powerpoint/2010/main" val="1651913384"/>
-      </p:ext>
-    </p:extLst>
-  </p:cSld>
-  <p:clrMapOvr>
-    <a:masterClrMapping/>
-  </p:clrMapOvr>
-</p:sld>
-</file>
-
-<file path=ppt/slides/slide9.xml><?xml version="1.0" encoding="utf-8"?>
-<p:sld xmlns:a="http://schemas.openxmlformats.org/drawingml/2006/main" xmlns:r="http://schemas.openxmlformats.org/officeDocument/2006/relationships" xmlns:p="http://schemas.openxmlformats.org/presentationml/2006/main">
-  <p:cSld>
-    <p:spTree>
-      <p:nvGrpSpPr>
-        <p:cNvPr id="1" name=""/>
-        <p:cNvGrpSpPr/>
-        <p:nvPr/>
-      </p:nvGrpSpPr>
-      <p:grpSpPr>
-        <a:xfrm>
-          <a:off x="0" y="0"/>
-          <a:ext cx="0" cy="0"/>
-          <a:chOff x="0" y="0"/>
-          <a:chExt cx="0" cy="0"/>
-        </a:xfrm>
-      </p:grpSpPr>
-      <p:sp>
-        <p:nvSpPr>
-          <p:cNvPr id="3" name="Title 2"/>
-          <p:cNvSpPr>
-            <a:spLocks noGrp="1"/>
-          </p:cNvSpPr>
-          <p:nvPr>
-            <p:ph type="title"/>
-          </p:nvPr>
-        </p:nvSpPr>
-        <p:spPr/>
-        <p:txBody>
-          <a:bodyPr/>
-          <a:lstStyle/>
-          <a:p>
-            <a:r>
-              <a:rPr lang="en-US" dirty="0" smtClean="0"/>
-              <a:t>Final Thoughts</a:t>
-            </a:r>
-            <a:endParaRPr lang="en-US" dirty="0"/>
-          </a:p>
-        </p:txBody>
-      </p:sp>
-      <p:sp>
-        <p:nvSpPr>
-          <p:cNvPr id="4" name="Content Placeholder 3"/>
-          <p:cNvSpPr>
-            <a:spLocks noGrp="1"/>
-          </p:cNvSpPr>
-          <p:nvPr>
-            <p:ph idx="1"/>
-          </p:nvPr>
-        </p:nvSpPr>
-        <p:spPr/>
-        <p:txBody>
-          <a:bodyPr/>
-          <a:lstStyle/>
-          <a:p>
-            <a:r>
-              <a:rPr lang="en-US" dirty="0" smtClean="0"/>
-              <a:t>Get your Jetstream OpenStack access setup right away in case this takes some time. </a:t>
-            </a:r>
-          </a:p>
-          <a:p>
-            <a:pPr lvl="1"/>
-            <a:r>
-              <a:rPr lang="en-US" dirty="0" smtClean="0"/>
-              <a:t>Notify your instructors if you have any problems with this.</a:t>
-            </a:r>
-          </a:p>
-          <a:p>
-            <a:r>
-              <a:rPr lang="en-US" dirty="0" smtClean="0"/>
-              <a:t>Do the assignment in this order</a:t>
-            </a:r>
-          </a:p>
-          <a:p>
-            <a:pPr lvl="1"/>
-            <a:r>
-              <a:rPr lang="en-US" dirty="0" smtClean="0"/>
-              <a:t>Use </a:t>
-            </a:r>
-            <a:r>
-              <a:rPr lang="en-US" dirty="0" err="1" smtClean="0"/>
-              <a:t>RabbitMQ</a:t>
-            </a:r>
-            <a:r>
-              <a:rPr lang="en-US" dirty="0" smtClean="0"/>
-              <a:t> for communications</a:t>
-            </a:r>
-          </a:p>
-          <a:p>
-            <a:pPr lvl="1"/>
-            <a:r>
-              <a:rPr lang="en-US" dirty="0" smtClean="0"/>
-              <a:t>Use Jenkins to deploy directly to Jetstream VMs</a:t>
-            </a:r>
-          </a:p>
-          <a:p>
-            <a:pPr lvl="1"/>
-            <a:r>
-              <a:rPr lang="en-US" dirty="0" smtClean="0"/>
-              <a:t>Wrap your </a:t>
-            </a:r>
-            <a:r>
-              <a:rPr lang="en-US" dirty="0" err="1" smtClean="0"/>
-              <a:t>microservices</a:t>
-            </a:r>
-            <a:r>
-              <a:rPr lang="en-US" dirty="0" smtClean="0"/>
-              <a:t> in Docker</a:t>
-            </a:r>
-          </a:p>
-          <a:p>
-            <a:pPr lvl="1"/>
-            <a:r>
-              <a:rPr lang="en-US" dirty="0" smtClean="0"/>
-              <a:t>Use Jenkins to deploy your Docker containers </a:t>
-            </a:r>
-            <a:r>
-              <a:rPr lang="en-US" smtClean="0"/>
-              <a:t>to Jetstream VMs</a:t>
-            </a:r>
-            <a:endParaRPr lang="en-US" dirty="0"/>
-          </a:p>
-        </p:txBody>
-      </p:sp>
-    </p:spTree>
-    <p:extLst>
-      <p:ext uri="{BB962C8B-B14F-4D97-AF65-F5344CB8AC3E}">
-        <p14:creationId xmlns:p14="http://schemas.microsoft.com/office/powerpoint/2010/main" val="2108005238"/>
       </p:ext>
     </p:extLst>
   </p:cSld>
